--- a/assets/doc/block_dig.pptx
+++ b/assets/doc/block_dig.pptx
@@ -7,6 +7,7 @@
   <p:sldIdLst>
     <p:sldId id="256" r:id="rId2"/>
     <p:sldId id="257" r:id="rId3"/>
+    <p:sldId id="258" r:id="rId4"/>
   </p:sldIdLst>
   <p:sldSz cx="12192000" cy="6858000"/>
   <p:notesSz cx="6858000" cy="9144000"/>
@@ -105,6 +106,11 @@
       </a:defRPr>
     </a:lvl9pPr>
   </p:defaultTextStyle>
+  <p:extLst>
+    <p:ext uri="{EFAFB233-063F-42B5-8137-9DF3F51BA10A}">
+      <p15:sldGuideLst xmlns:p15="http://schemas.microsoft.com/office/powerpoint/2012/main"/>
+    </p:ext>
+  </p:extLst>
 </p:presentation>
 </file>
 
@@ -255,7 +261,7 @@
           <a:p>
             <a:fld id="{43B3ABCD-8DF1-4DDA-BCFB-7C6759984AF1}" type="datetimeFigureOut">
               <a:rPr lang="en-US" smtClean="0"/>
-              <a:t>5/8/2024</a:t>
+              <a:t>5/9/2024</a:t>
             </a:fld>
             <a:endParaRPr lang="en-US"/>
           </a:p>
@@ -453,7 +459,7 @@
           <a:p>
             <a:fld id="{43B3ABCD-8DF1-4DDA-BCFB-7C6759984AF1}" type="datetimeFigureOut">
               <a:rPr lang="en-US" smtClean="0"/>
-              <a:t>5/8/2024</a:t>
+              <a:t>5/9/2024</a:t>
             </a:fld>
             <a:endParaRPr lang="en-US"/>
           </a:p>
@@ -661,7 +667,7 @@
           <a:p>
             <a:fld id="{43B3ABCD-8DF1-4DDA-BCFB-7C6759984AF1}" type="datetimeFigureOut">
               <a:rPr lang="en-US" smtClean="0"/>
-              <a:t>5/8/2024</a:t>
+              <a:t>5/9/2024</a:t>
             </a:fld>
             <a:endParaRPr lang="en-US"/>
           </a:p>
@@ -859,7 +865,7 @@
           <a:p>
             <a:fld id="{43B3ABCD-8DF1-4DDA-BCFB-7C6759984AF1}" type="datetimeFigureOut">
               <a:rPr lang="en-US" smtClean="0"/>
-              <a:t>5/8/2024</a:t>
+              <a:t>5/9/2024</a:t>
             </a:fld>
             <a:endParaRPr lang="en-US"/>
           </a:p>
@@ -1134,7 +1140,7 @@
           <a:p>
             <a:fld id="{43B3ABCD-8DF1-4DDA-BCFB-7C6759984AF1}" type="datetimeFigureOut">
               <a:rPr lang="en-US" smtClean="0"/>
-              <a:t>5/8/2024</a:t>
+              <a:t>5/9/2024</a:t>
             </a:fld>
             <a:endParaRPr lang="en-US"/>
           </a:p>
@@ -1399,7 +1405,7 @@
           <a:p>
             <a:fld id="{43B3ABCD-8DF1-4DDA-BCFB-7C6759984AF1}" type="datetimeFigureOut">
               <a:rPr lang="en-US" smtClean="0"/>
-              <a:t>5/8/2024</a:t>
+              <a:t>5/9/2024</a:t>
             </a:fld>
             <a:endParaRPr lang="en-US"/>
           </a:p>
@@ -1811,7 +1817,7 @@
           <a:p>
             <a:fld id="{43B3ABCD-8DF1-4DDA-BCFB-7C6759984AF1}" type="datetimeFigureOut">
               <a:rPr lang="en-US" smtClean="0"/>
-              <a:t>5/8/2024</a:t>
+              <a:t>5/9/2024</a:t>
             </a:fld>
             <a:endParaRPr lang="en-US"/>
           </a:p>
@@ -1952,7 +1958,7 @@
           <a:p>
             <a:fld id="{43B3ABCD-8DF1-4DDA-BCFB-7C6759984AF1}" type="datetimeFigureOut">
               <a:rPr lang="en-US" smtClean="0"/>
-              <a:t>5/8/2024</a:t>
+              <a:t>5/9/2024</a:t>
             </a:fld>
             <a:endParaRPr lang="en-US"/>
           </a:p>
@@ -2065,7 +2071,7 @@
           <a:p>
             <a:fld id="{43B3ABCD-8DF1-4DDA-BCFB-7C6759984AF1}" type="datetimeFigureOut">
               <a:rPr lang="en-US" smtClean="0"/>
-              <a:t>5/8/2024</a:t>
+              <a:t>5/9/2024</a:t>
             </a:fld>
             <a:endParaRPr lang="en-US"/>
           </a:p>
@@ -2376,7 +2382,7 @@
           <a:p>
             <a:fld id="{43B3ABCD-8DF1-4DDA-BCFB-7C6759984AF1}" type="datetimeFigureOut">
               <a:rPr lang="en-US" smtClean="0"/>
-              <a:t>5/8/2024</a:t>
+              <a:t>5/9/2024</a:t>
             </a:fld>
             <a:endParaRPr lang="en-US"/>
           </a:p>
@@ -2664,7 +2670,7 @@
           <a:p>
             <a:fld id="{43B3ABCD-8DF1-4DDA-BCFB-7C6759984AF1}" type="datetimeFigureOut">
               <a:rPr lang="en-US" smtClean="0"/>
-              <a:t>5/8/2024</a:t>
+              <a:t>5/9/2024</a:t>
             </a:fld>
             <a:endParaRPr lang="en-US"/>
           </a:p>
@@ -2905,7 +2911,7 @@
           <a:p>
             <a:fld id="{43B3ABCD-8DF1-4DDA-BCFB-7C6759984AF1}" type="datetimeFigureOut">
               <a:rPr lang="en-US" smtClean="0"/>
-              <a:t>5/8/2024</a:t>
+              <a:t>5/9/2024</a:t>
             </a:fld>
             <a:endParaRPr lang="en-US"/>
           </a:p>
@@ -4680,6 +4686,252 @@
     <p:extLst>
       <p:ext uri="{BB962C8B-B14F-4D97-AF65-F5344CB8AC3E}">
         <p14:creationId xmlns:p14="http://schemas.microsoft.com/office/powerpoint/2010/main" val="1657130611"/>
+      </p:ext>
+    </p:extLst>
+  </p:cSld>
+  <p:clrMapOvr>
+    <a:masterClrMapping/>
+  </p:clrMapOvr>
+</p:sld>
+</file>
+
+<file path=ppt/slides/slide3.xml><?xml version="1.0" encoding="utf-8"?>
+<p:sld xmlns:a="http://schemas.openxmlformats.org/drawingml/2006/main" xmlns:r="http://schemas.openxmlformats.org/officeDocument/2006/relationships" xmlns:p="http://schemas.openxmlformats.org/presentationml/2006/main">
+  <p:cSld>
+    <p:spTree>
+      <p:nvGrpSpPr>
+        <p:cNvPr id="1" name=""/>
+        <p:cNvGrpSpPr/>
+        <p:nvPr/>
+      </p:nvGrpSpPr>
+      <p:grpSpPr>
+        <a:xfrm>
+          <a:off x="0" y="0"/>
+          <a:ext cx="0" cy="0"/>
+          <a:chOff x="0" y="0"/>
+          <a:chExt cx="0" cy="0"/>
+        </a:xfrm>
+      </p:grpSpPr>
+      <p:pic>
+        <p:nvPicPr>
+          <p:cNvPr id="2" name="Picture 1" descr="A graph showing the results of a test&#10;&#10;Description automatically generated">
+            <a:extLst>
+              <a:ext uri="{FF2B5EF4-FFF2-40B4-BE49-F238E27FC236}">
+                <a16:creationId xmlns:a16="http://schemas.microsoft.com/office/drawing/2014/main" id="{E5F88C39-3542-86E7-80A2-A545C1457FBE}"/>
+              </a:ext>
+            </a:extLst>
+          </p:cNvPr>
+          <p:cNvPicPr>
+            <a:picLocks noChangeAspect="1"/>
+          </p:cNvPicPr>
+          <p:nvPr/>
+        </p:nvPicPr>
+        <p:blipFill>
+          <a:blip r:embed="rId2">
+            <a:extLst>
+              <a:ext uri="{28A0092B-C50C-407E-A947-70E740481C1C}">
+                <a14:useLocalDpi xmlns:a14="http://schemas.microsoft.com/office/drawing/2010/main" val="0"/>
+              </a:ext>
+            </a:extLst>
+          </a:blip>
+          <a:stretch>
+            <a:fillRect/>
+          </a:stretch>
+        </p:blipFill>
+        <p:spPr>
+          <a:xfrm>
+            <a:off x="8101391" y="148098"/>
+            <a:ext cx="4014023" cy="3112073"/>
+          </a:xfrm>
+          <a:prstGeom prst="rect">
+            <a:avLst/>
+          </a:prstGeom>
+        </p:spPr>
+      </p:pic>
+      <p:pic>
+        <p:nvPicPr>
+          <p:cNvPr id="3" name="Picture 2" descr="A graph showing the results of a test&#10;&#10;Description automatically generated">
+            <a:extLst>
+              <a:ext uri="{FF2B5EF4-FFF2-40B4-BE49-F238E27FC236}">
+                <a16:creationId xmlns:a16="http://schemas.microsoft.com/office/drawing/2014/main" id="{07346744-8F16-F449-E26C-6E0D52C07B89}"/>
+              </a:ext>
+            </a:extLst>
+          </p:cNvPr>
+          <p:cNvPicPr>
+            <a:picLocks noChangeAspect="1"/>
+          </p:cNvPicPr>
+          <p:nvPr/>
+        </p:nvPicPr>
+        <p:blipFill>
+          <a:blip r:embed="rId3">
+            <a:extLst>
+              <a:ext uri="{28A0092B-C50C-407E-A947-70E740481C1C}">
+                <a14:useLocalDpi xmlns:a14="http://schemas.microsoft.com/office/drawing/2010/main" val="0"/>
+              </a:ext>
+            </a:extLst>
+          </a:blip>
+          <a:stretch>
+            <a:fillRect/>
+          </a:stretch>
+        </p:blipFill>
+        <p:spPr>
+          <a:xfrm>
+            <a:off x="9335" y="3260171"/>
+            <a:ext cx="4014023" cy="3112073"/>
+          </a:xfrm>
+          <a:prstGeom prst="rect">
+            <a:avLst/>
+          </a:prstGeom>
+        </p:spPr>
+      </p:pic>
+      <p:pic>
+        <p:nvPicPr>
+          <p:cNvPr id="4" name="Picture 3" descr="A graph showing the value of a test&#10;&#10;Description automatically generated with medium confidence">
+            <a:extLst>
+              <a:ext uri="{FF2B5EF4-FFF2-40B4-BE49-F238E27FC236}">
+                <a16:creationId xmlns:a16="http://schemas.microsoft.com/office/drawing/2014/main" id="{6BD5AC36-F3FB-0970-14EA-8050A82EB0AD}"/>
+              </a:ext>
+            </a:extLst>
+          </p:cNvPr>
+          <p:cNvPicPr>
+            <a:picLocks noChangeAspect="1"/>
+          </p:cNvPicPr>
+          <p:nvPr/>
+        </p:nvPicPr>
+        <p:blipFill>
+          <a:blip r:embed="rId4">
+            <a:extLst>
+              <a:ext uri="{28A0092B-C50C-407E-A947-70E740481C1C}">
+                <a14:useLocalDpi xmlns:a14="http://schemas.microsoft.com/office/drawing/2010/main" val="0"/>
+              </a:ext>
+            </a:extLst>
+          </a:blip>
+          <a:stretch>
+            <a:fillRect/>
+          </a:stretch>
+        </p:blipFill>
+        <p:spPr>
+          <a:xfrm>
+            <a:off x="8101390" y="3260170"/>
+            <a:ext cx="4014024" cy="3112073"/>
+          </a:xfrm>
+          <a:prstGeom prst="rect">
+            <a:avLst/>
+          </a:prstGeom>
+        </p:spPr>
+      </p:pic>
+      <p:pic>
+        <p:nvPicPr>
+          <p:cNvPr id="5" name="Picture 4" descr="A graph showing the results of a test&#10;&#10;Description automatically generated">
+            <a:extLst>
+              <a:ext uri="{FF2B5EF4-FFF2-40B4-BE49-F238E27FC236}">
+                <a16:creationId xmlns:a16="http://schemas.microsoft.com/office/drawing/2014/main" id="{A5F4E9A8-82DD-404A-57CA-1542BF674DC4}"/>
+              </a:ext>
+            </a:extLst>
+          </p:cNvPr>
+          <p:cNvPicPr>
+            <a:picLocks noChangeAspect="1"/>
+          </p:cNvPicPr>
+          <p:nvPr/>
+        </p:nvPicPr>
+        <p:blipFill>
+          <a:blip r:embed="rId5">
+            <a:extLst>
+              <a:ext uri="{28A0092B-C50C-407E-A947-70E740481C1C}">
+                <a14:useLocalDpi xmlns:a14="http://schemas.microsoft.com/office/drawing/2010/main" val="0"/>
+              </a:ext>
+            </a:extLst>
+          </a:blip>
+          <a:stretch>
+            <a:fillRect/>
+          </a:stretch>
+        </p:blipFill>
+        <p:spPr>
+          <a:xfrm>
+            <a:off x="4087367" y="3260171"/>
+            <a:ext cx="4014025" cy="3112074"/>
+          </a:xfrm>
+          <a:prstGeom prst="rect">
+            <a:avLst/>
+          </a:prstGeom>
+        </p:spPr>
+      </p:pic>
+      <p:pic>
+        <p:nvPicPr>
+          <p:cNvPr id="6" name="Picture 5" descr="A graph showing the value of a class&#10;&#10;Description automatically generated with medium confidence">
+            <a:extLst>
+              <a:ext uri="{FF2B5EF4-FFF2-40B4-BE49-F238E27FC236}">
+                <a16:creationId xmlns:a16="http://schemas.microsoft.com/office/drawing/2014/main" id="{B385F3D2-B94F-F98F-5E9C-3DB9CB6BDD3C}"/>
+              </a:ext>
+            </a:extLst>
+          </p:cNvPr>
+          <p:cNvPicPr>
+            <a:picLocks noChangeAspect="1"/>
+          </p:cNvPicPr>
+          <p:nvPr/>
+        </p:nvPicPr>
+        <p:blipFill>
+          <a:blip r:embed="rId6">
+            <a:extLst>
+              <a:ext uri="{28A0092B-C50C-407E-A947-70E740481C1C}">
+                <a14:useLocalDpi xmlns:a14="http://schemas.microsoft.com/office/drawing/2010/main" val="0"/>
+              </a:ext>
+            </a:extLst>
+          </a:blip>
+          <a:stretch>
+            <a:fillRect/>
+          </a:stretch>
+        </p:blipFill>
+        <p:spPr>
+          <a:xfrm>
+            <a:off x="4087368" y="148098"/>
+            <a:ext cx="4014023" cy="3112073"/>
+          </a:xfrm>
+          <a:prstGeom prst="rect">
+            <a:avLst/>
+          </a:prstGeom>
+        </p:spPr>
+      </p:pic>
+      <p:pic>
+        <p:nvPicPr>
+          <p:cNvPr id="7" name="Picture 6" descr="A graph showing the value of a test&#10;&#10;Description automatically generated with medium confidence">
+            <a:extLst>
+              <a:ext uri="{FF2B5EF4-FFF2-40B4-BE49-F238E27FC236}">
+                <a16:creationId xmlns:a16="http://schemas.microsoft.com/office/drawing/2014/main" id="{3544143F-BF2B-7DB0-F061-96212A3FB09F}"/>
+              </a:ext>
+            </a:extLst>
+          </p:cNvPr>
+          <p:cNvPicPr>
+            <a:picLocks noChangeAspect="1"/>
+          </p:cNvPicPr>
+          <p:nvPr/>
+        </p:nvPicPr>
+        <p:blipFill>
+          <a:blip r:embed="rId7">
+            <a:extLst>
+              <a:ext uri="{28A0092B-C50C-407E-A947-70E740481C1C}">
+                <a14:useLocalDpi xmlns:a14="http://schemas.microsoft.com/office/drawing/2010/main" val="0"/>
+              </a:ext>
+            </a:extLst>
+          </a:blip>
+          <a:stretch>
+            <a:fillRect/>
+          </a:stretch>
+        </p:blipFill>
+        <p:spPr>
+          <a:xfrm>
+            <a:off x="9336" y="148099"/>
+            <a:ext cx="4014025" cy="3112074"/>
+          </a:xfrm>
+          <a:prstGeom prst="rect">
+            <a:avLst/>
+          </a:prstGeom>
+        </p:spPr>
+      </p:pic>
+    </p:spTree>
+    <p:extLst>
+      <p:ext uri="{BB962C8B-B14F-4D97-AF65-F5344CB8AC3E}">
+        <p14:creationId xmlns:p14="http://schemas.microsoft.com/office/powerpoint/2010/main" val="3489753736"/>
       </p:ext>
     </p:extLst>
   </p:cSld>
